--- a/misc/Instruction/Anleitung_Update_zytQuadrat_2_Firmware_FileSystem.pptx
+++ b/misc/Instruction/Anleitung_Update_zytQuadrat_2_Firmware_FileSystem.pptx
@@ -200,7 +200,7 @@
           <a:p>
             <a:fld id="{C5C7FE8C-0FC1-49E7-B140-75C37B31D137}" type="datetimeFigureOut">
               <a:rPr lang="de-CH" smtClean="0"/>
-              <a:t>25.10.2023</a:t>
+              <a:t>18.12.2023</a:t>
             </a:fld>
             <a:endParaRPr lang="de-CH"/>
           </a:p>
@@ -3728,42 +3728,6 @@
           <a:chExt cx="0" cy="0"/>
         </a:xfrm>
       </p:grpSpPr>
-      <p:pic>
-        <p:nvPicPr>
-          <p:cNvPr id="5" name="Grafik 4" descr="Ein Bild, das Schwarz, Dunkelheit enthält.&#10;&#10;Automatisch generierte Beschreibung">
-            <a:extLst>
-              <a:ext uri="{FF2B5EF4-FFF2-40B4-BE49-F238E27FC236}">
-                <a16:creationId xmlns:a16="http://schemas.microsoft.com/office/drawing/2014/main" id="{D1710F15-D475-CBF6-92F9-BC3ECADBBD00}"/>
-              </a:ext>
-            </a:extLst>
-          </p:cNvPr>
-          <p:cNvPicPr>
-            <a:picLocks noChangeAspect="1"/>
-          </p:cNvPicPr>
-          <p:nvPr/>
-        </p:nvPicPr>
-        <p:blipFill>
-          <a:blip r:embed="rId2">
-            <a:extLst>
-              <a:ext uri="{28A0092B-C50C-407E-A947-70E740481C1C}">
-                <a14:useLocalDpi xmlns:a14="http://schemas.microsoft.com/office/drawing/2010/main" val="0"/>
-              </a:ext>
-            </a:extLst>
-          </a:blip>
-          <a:stretch>
-            <a:fillRect/>
-          </a:stretch>
-        </p:blipFill>
-        <p:spPr>
-          <a:xfrm>
-            <a:off x="1524000" y="1205403"/>
-            <a:ext cx="4027086" cy="1080594"/>
-          </a:xfrm>
-          <a:prstGeom prst="rect">
-            <a:avLst/>
-          </a:prstGeom>
-        </p:spPr>
-      </p:pic>
       <p:sp>
         <p:nvSpPr>
           <p:cNvPr id="6" name="Untertitel 2">
@@ -3959,7 +3923,7 @@
             <a:pPr algn="l"/>
             <a:r>
               <a:rPr lang="de-CH" dirty="0"/>
-              <a:t>25.10.2023</a:t>
+              <a:t>18.12.2023</a:t>
             </a:r>
           </a:p>
         </p:txBody>
@@ -4194,7 +4158,7 @@
             <a:pPr algn="l"/>
             <a:r>
               <a:rPr lang="de-CH" sz="3500" dirty="0"/>
-              <a:t>Anleitung Update Firmware &amp; File System v1.1</a:t>
+              <a:t>Anleitung Update Firmware &amp; File System v1.2</a:t>
             </a:r>
             <a:endParaRPr lang="de-CH" sz="5400" dirty="0"/>
           </a:p>
@@ -4210,7 +4174,7 @@
             </a:r>
             <a:r>
               <a:rPr lang="de-CH" sz="2200" dirty="0" err="1"/>
-              <a:t>QlockWiFive</a:t>
+              <a:t>zytQuadrat</a:t>
             </a:r>
             <a:r>
               <a:rPr lang="de-CH" sz="2200" dirty="0"/>
@@ -4219,6 +4183,42 @@
           </a:p>
         </p:txBody>
       </p:sp>
+      <p:pic>
+        <p:nvPicPr>
+          <p:cNvPr id="2" name="Grafik 1" descr="Ein Bild, das Schwarz, Dunkelheit enthält.&#10;&#10;Automatisch generierte Beschreibung">
+            <a:extLst>
+              <a:ext uri="{FF2B5EF4-FFF2-40B4-BE49-F238E27FC236}">
+                <a16:creationId xmlns:a16="http://schemas.microsoft.com/office/drawing/2014/main" id="{1BC9B897-3CBA-7282-DD22-3AF7B4F7AE93}"/>
+              </a:ext>
+            </a:extLst>
+          </p:cNvPr>
+          <p:cNvPicPr>
+            <a:picLocks noChangeAspect="1"/>
+          </p:cNvPicPr>
+          <p:nvPr/>
+        </p:nvPicPr>
+        <p:blipFill>
+          <a:blip r:embed="rId2">
+            <a:extLst>
+              <a:ext uri="{28A0092B-C50C-407E-A947-70E740481C1C}">
+                <a14:useLocalDpi xmlns:a14="http://schemas.microsoft.com/office/drawing/2010/main" val="0"/>
+              </a:ext>
+            </a:extLst>
+          </a:blip>
+          <a:stretch>
+            <a:fillRect/>
+          </a:stretch>
+        </p:blipFill>
+        <p:spPr>
+          <a:xfrm>
+            <a:off x="1588575" y="1194146"/>
+            <a:ext cx="3962511" cy="1103108"/>
+          </a:xfrm>
+          <a:prstGeom prst="rect">
+            <a:avLst/>
+          </a:prstGeom>
+        </p:spPr>
+      </p:pic>
     </p:spTree>
     <p:extLst>
       <p:ext uri="{BB962C8B-B14F-4D97-AF65-F5344CB8AC3E}">
@@ -4428,7 +4428,7 @@
           <a:p>
             <a:r>
               <a:rPr lang="de-CH" dirty="0" err="1"/>
-              <a:t>QlockWiFive</a:t>
+              <a:t>zytQuadrat</a:t>
             </a:r>
             <a:r>
               <a:rPr lang="de-CH" dirty="0"/>
@@ -6237,7 +6237,7 @@
           <a:p>
             <a:r>
               <a:rPr lang="de-CH" dirty="0" err="1"/>
-              <a:t>QlockWiFive</a:t>
+              <a:t>zytQuadrat</a:t>
             </a:r>
             <a:r>
               <a:rPr lang="de-CH" dirty="0"/>
@@ -6521,7 +6521,7 @@
           <a:p>
             <a:r>
               <a:rPr lang="de-CH" dirty="0" err="1"/>
-              <a:t>QlockWiFive</a:t>
+              <a:t>zytQuadrat</a:t>
             </a:r>
             <a:r>
               <a:rPr lang="de-CH" dirty="0"/>
